--- a/PROJET STAGE/Diapo/Diapo présentation certification.pptx
+++ b/PROJET STAGE/Diapo/Diapo présentation certification.pptx
@@ -226,7 +226,7 @@
           <a:p>
             <a:fld id="{84CF9544-8C58-4C67-991F-E1E686F2FA09}" type="datetimeFigureOut">
               <a:rPr lang="fr-FR" smtClean="0"/>
-              <a:t>24/08/2020</a:t>
+              <a:t>25/08/2020</a:t>
             </a:fld>
             <a:endParaRPr lang="fr-FR"/>
           </a:p>
@@ -392,7 +392,7 @@
           <a:p>
             <a:fld id="{EEA3E28A-589E-447A-BC0D-0D7F8762CCCF}" type="datetimeFigureOut">
               <a:rPr lang="fr-FR" smtClean="0"/>
-              <a:t>24/08/2020</a:t>
+              <a:t>25/08/2020</a:t>
             </a:fld>
             <a:endParaRPr lang="fr-FR"/>
           </a:p>
@@ -1164,7 +1164,7 @@
           <a:p>
             <a:fld id="{DBB484A7-E62C-4A26-BC8B-DD1853FE218E}" type="datetime1">
               <a:rPr lang="fr-FR" smtClean="0"/>
-              <a:t>24/08/2020</a:t>
+              <a:t>25/08/2020</a:t>
             </a:fld>
             <a:endParaRPr lang="fr-FR"/>
           </a:p>
@@ -2033,7 +2033,7 @@
           <a:p>
             <a:fld id="{AF9AEEFE-7C18-417D-AFFA-42B793335D6C}" type="datetime1">
               <a:rPr lang="fr-FR" smtClean="0"/>
-              <a:t>24/08/2020</a:t>
+              <a:t>25/08/2020</a:t>
             </a:fld>
             <a:endParaRPr lang="fr-FR"/>
           </a:p>
@@ -2208,7 +2208,7 @@
           <a:p>
             <a:fld id="{936E0A61-5D13-4ED0-9940-38CE057AB889}" type="datetime1">
               <a:rPr lang="fr-FR" smtClean="0"/>
-              <a:t>24/08/2020</a:t>
+              <a:t>25/08/2020</a:t>
             </a:fld>
             <a:endParaRPr lang="fr-FR"/>
           </a:p>
@@ -2378,7 +2378,7 @@
           <a:p>
             <a:fld id="{E7E4D0E0-56F0-42CE-99EC-DE5D60236321}" type="datetime1">
               <a:rPr lang="fr-FR" smtClean="0"/>
-              <a:t>24/08/2020</a:t>
+              <a:t>25/08/2020</a:t>
             </a:fld>
             <a:endParaRPr lang="fr-FR"/>
           </a:p>
@@ -2583,7 +2583,7 @@
           <a:p>
             <a:fld id="{743BF2AC-A780-400E-8FF4-C2C7BB2130AF}" type="datetime1">
               <a:rPr lang="fr-FR" smtClean="0"/>
-              <a:t>24/08/2020</a:t>
+              <a:t>25/08/2020</a:t>
             </a:fld>
             <a:endParaRPr lang="fr-FR"/>
           </a:p>
@@ -3397,7 +3397,7 @@
           <a:p>
             <a:fld id="{0FD48B75-E8BF-4693-AD2A-36DB66759564}" type="datetime1">
               <a:rPr lang="fr-FR" smtClean="0"/>
-              <a:t>24/08/2020</a:t>
+              <a:t>25/08/2020</a:t>
             </a:fld>
             <a:endParaRPr lang="fr-FR"/>
           </a:p>
@@ -3633,7 +3633,7 @@
           <a:p>
             <a:fld id="{245A2BEB-5B20-4189-9B38-FA67F4DF6F74}" type="datetime1">
               <a:rPr lang="fr-FR" smtClean="0"/>
-              <a:t>24/08/2020</a:t>
+              <a:t>25/08/2020</a:t>
             </a:fld>
             <a:endParaRPr lang="fr-FR"/>
           </a:p>
@@ -3956,7 +3956,7 @@
           <a:p>
             <a:fld id="{78A6B236-125C-4FE7-A47A-6E89F938C16C}" type="datetime1">
               <a:rPr lang="fr-FR" smtClean="0"/>
-              <a:t>24/08/2020</a:t>
+              <a:t>25/08/2020</a:t>
             </a:fld>
             <a:endParaRPr lang="fr-FR"/>
           </a:p>
@@ -4046,7 +4046,7 @@
           <a:p>
             <a:fld id="{BA557552-9A22-40EF-A63F-9BA4B143A2CA}" type="datetime1">
               <a:rPr lang="fr-FR" smtClean="0"/>
-              <a:t>24/08/2020</a:t>
+              <a:t>25/08/2020</a:t>
             </a:fld>
             <a:endParaRPr lang="fr-FR"/>
           </a:p>
@@ -4558,7 +4558,7 @@
           <a:p>
             <a:fld id="{01B80285-2D87-4FDE-BFDC-4C006BD05ACF}" type="datetime1">
               <a:rPr lang="fr-FR" smtClean="0"/>
-              <a:t>24/08/2020</a:t>
+              <a:t>25/08/2020</a:t>
             </a:fld>
             <a:endParaRPr lang="fr-FR"/>
           </a:p>
@@ -5069,7 +5069,7 @@
           <a:p>
             <a:fld id="{50D97BEF-7D38-4E85-AF01-6C37DBACEED3}" type="datetime1">
               <a:rPr lang="fr-FR" smtClean="0"/>
-              <a:t>24/08/2020</a:t>
+              <a:t>25/08/2020</a:t>
             </a:fld>
             <a:endParaRPr lang="fr-FR"/>
           </a:p>
@@ -5314,7 +5314,7 @@
           <a:p>
             <a:fld id="{6CA71164-4AC2-4F82-9835-7A2EF69930DF}" type="datetime1">
               <a:rPr lang="fr-FR" smtClean="0"/>
-              <a:t>24/08/2020</a:t>
+              <a:t>25/08/2020</a:t>
             </a:fld>
             <a:endParaRPr lang="fr-FR"/>
           </a:p>
@@ -6077,17 +6077,7 @@
                 <a:latin typeface="Segoe UI" pitchFamily="34" charset="0"/>
                 <a:cs typeface="Segoe UI" pitchFamily="34" charset="0"/>
               </a:rPr>
-              <a:t>DOMAIN </a:t>
-            </a:r>
-            <a:r>
-              <a:rPr lang="fr-FR" dirty="0" smtClean="0">
-                <a:solidFill>
-                  <a:srgbClr val="4163D3"/>
-                </a:solidFill>
-                <a:latin typeface="Segoe UI" pitchFamily="34" charset="0"/>
-                <a:cs typeface="Segoe UI" pitchFamily="34" charset="0"/>
-              </a:rPr>
-              <a:t>Loïc</a:t>
+              <a:t>DOMAIN Loïc</a:t>
             </a:r>
           </a:p>
           <a:p>
@@ -6100,25 +6090,8 @@
                 <a:latin typeface="Segoe UI" pitchFamily="34" charset="0"/>
                 <a:cs typeface="Segoe UI" pitchFamily="34" charset="0"/>
               </a:rPr>
-              <a:t>Formation </a:t>
+              <a:t>Formation Développeur web et web mobile </a:t>
             </a:r>
-            <a:r>
-              <a:rPr lang="fr-FR" dirty="0" smtClean="0">
-                <a:solidFill>
-                  <a:srgbClr val="4163D3"/>
-                </a:solidFill>
-                <a:latin typeface="Segoe UI" pitchFamily="34" charset="0"/>
-                <a:cs typeface="Segoe UI" pitchFamily="34" charset="0"/>
-              </a:rPr>
-              <a:t>Développeur web et web mobile </a:t>
-            </a:r>
-            <a:endParaRPr lang="fr-FR" dirty="0" smtClean="0">
-              <a:solidFill>
-                <a:srgbClr val="4163D3"/>
-              </a:solidFill>
-              <a:latin typeface="Segoe UI" pitchFamily="34" charset="0"/>
-              <a:cs typeface="Segoe UI" pitchFamily="34" charset="0"/>
-            </a:endParaRPr>
           </a:p>
           <a:p>
             <a:pPr algn="ctr"/>
@@ -6130,17 +6103,7 @@
                 <a:latin typeface="Segoe UI" pitchFamily="34" charset="0"/>
                 <a:cs typeface="Segoe UI" pitchFamily="34" charset="0"/>
               </a:rPr>
-              <a:t>Session </a:t>
-            </a:r>
-            <a:r>
-              <a:rPr lang="fr-FR" dirty="0" smtClean="0">
-                <a:solidFill>
-                  <a:srgbClr val="4163D3"/>
-                </a:solidFill>
-                <a:latin typeface="Segoe UI" pitchFamily="34" charset="0"/>
-                <a:cs typeface="Segoe UI" pitchFamily="34" charset="0"/>
-              </a:rPr>
-              <a:t>2020</a:t>
+              <a:t>Session 2020</a:t>
             </a:r>
             <a:endParaRPr lang="fr-FR" dirty="0">
               <a:solidFill>
@@ -15475,11 +15438,6 @@
                 </a:rPr>
                 <a:t>Travaux préparatoire</a:t>
               </a:r>
-              <a:endParaRPr lang="fr-FR" dirty="0">
-                <a:solidFill>
-                  <a:srgbClr val="FFFF32"/>
-                </a:solidFill>
-              </a:endParaRPr>
             </a:p>
           </p:txBody>
         </p:sp>
@@ -27818,11 +27776,6 @@
                 </a:rPr>
                 <a:t>Travaux préparatoire</a:t>
               </a:r>
-              <a:endParaRPr lang="fr-FR" dirty="0">
-                <a:solidFill>
-                  <a:srgbClr val="FFFF32"/>
-                </a:solidFill>
-              </a:endParaRPr>
             </a:p>
           </p:txBody>
         </p:sp>
@@ -31019,7 +30972,7 @@
           </p:nvCxnSpPr>
           <p:spPr>
             <a:xfrm>
-              <a:off x="1758055" y="1968373"/>
+              <a:off x="1758055" y="2058383"/>
               <a:ext cx="1944724" cy="9311"/>
             </a:xfrm>
             <a:prstGeom prst="straightConnector1">
@@ -31135,7 +31088,7 @@
           </p:nvCxnSpPr>
           <p:spPr>
             <a:xfrm>
-              <a:off x="1619673" y="2470707"/>
+              <a:off x="1619673" y="2499742"/>
               <a:ext cx="2083107" cy="0"/>
             </a:xfrm>
             <a:prstGeom prst="straightConnector1">
@@ -32176,11 +32129,6 @@
                 </a:rPr>
                 <a:t>Travaux préparatoire</a:t>
               </a:r>
-              <a:endParaRPr lang="fr-FR" dirty="0">
-                <a:solidFill>
-                  <a:srgbClr val="FFFF32"/>
-                </a:solidFill>
-              </a:endParaRPr>
             </a:p>
           </p:txBody>
         </p:sp>
